--- a/P.pptx
+++ b/P.pptx
@@ -139,6 +139,7 @@
           <inkml:channelProperty channel="T" name="resolution" value="0" units="1/dev"/>
         </inkml:channelProperties>
       </inkml:inkSource>
+      <inkml:timestamp xml:id="ts0" timeString="2023-10-01T05:05:51.754"/>
     </inkml:context>
     <inkml:brush xml:id="br0">
       <inkml:brushProperty name="width" value="0.05292" units="cm"/>
@@ -233,7 +234,7 @@
           <a:p>
             <a:fld id="{45DD1D06-6902-487B-83A1-9F613C31EA74}" type="datetimeFigureOut">
               <a:rPr lang="en-IN" smtClean="0"/>
-              <a:t>30-09-2023</a:t>
+              <a:t>01-10-2023</a:t>
             </a:fld>
             <a:endParaRPr lang="en-IN"/>
           </a:p>
@@ -650,7 +651,7 @@
           <a:p>
             <a:fld id="{AD4CDBEB-7B95-45C9-9746-1E512CCA006C}" type="datetimeFigureOut">
               <a:rPr lang="en-IN" smtClean="0"/>
-              <a:t>30-09-2023</a:t>
+              <a:t>01-10-2023</a:t>
             </a:fld>
             <a:endParaRPr lang="en-IN"/>
           </a:p>
@@ -850,7 +851,7 @@
           <a:p>
             <a:fld id="{AD4CDBEB-7B95-45C9-9746-1E512CCA006C}" type="datetimeFigureOut">
               <a:rPr lang="en-IN" smtClean="0"/>
-              <a:t>30-09-2023</a:t>
+              <a:t>01-10-2023</a:t>
             </a:fld>
             <a:endParaRPr lang="en-IN"/>
           </a:p>
@@ -1060,7 +1061,7 @@
           <a:p>
             <a:fld id="{AD4CDBEB-7B95-45C9-9746-1E512CCA006C}" type="datetimeFigureOut">
               <a:rPr lang="en-IN" smtClean="0"/>
-              <a:t>30-09-2023</a:t>
+              <a:t>01-10-2023</a:t>
             </a:fld>
             <a:endParaRPr lang="en-IN"/>
           </a:p>
@@ -1260,7 +1261,7 @@
           <a:p>
             <a:fld id="{AD4CDBEB-7B95-45C9-9746-1E512CCA006C}" type="datetimeFigureOut">
               <a:rPr lang="en-IN" smtClean="0"/>
-              <a:t>30-09-2023</a:t>
+              <a:t>01-10-2023</a:t>
             </a:fld>
             <a:endParaRPr lang="en-IN"/>
           </a:p>
@@ -1536,7 +1537,7 @@
           <a:p>
             <a:fld id="{AD4CDBEB-7B95-45C9-9746-1E512CCA006C}" type="datetimeFigureOut">
               <a:rPr lang="en-IN" smtClean="0"/>
-              <a:t>30-09-2023</a:t>
+              <a:t>01-10-2023</a:t>
             </a:fld>
             <a:endParaRPr lang="en-IN"/>
           </a:p>
@@ -1804,7 +1805,7 @@
           <a:p>
             <a:fld id="{AD4CDBEB-7B95-45C9-9746-1E512CCA006C}" type="datetimeFigureOut">
               <a:rPr lang="en-IN" smtClean="0"/>
-              <a:t>30-09-2023</a:t>
+              <a:t>01-10-2023</a:t>
             </a:fld>
             <a:endParaRPr lang="en-IN"/>
           </a:p>
@@ -2219,7 +2220,7 @@
           <a:p>
             <a:fld id="{AD4CDBEB-7B95-45C9-9746-1E512CCA006C}" type="datetimeFigureOut">
               <a:rPr lang="en-IN" smtClean="0"/>
-              <a:t>30-09-2023</a:t>
+              <a:t>01-10-2023</a:t>
             </a:fld>
             <a:endParaRPr lang="en-IN"/>
           </a:p>
@@ -2361,7 +2362,7 @@
           <a:p>
             <a:fld id="{AD4CDBEB-7B95-45C9-9746-1E512CCA006C}" type="datetimeFigureOut">
               <a:rPr lang="en-IN" smtClean="0"/>
-              <a:t>30-09-2023</a:t>
+              <a:t>01-10-2023</a:t>
             </a:fld>
             <a:endParaRPr lang="en-IN"/>
           </a:p>
@@ -2474,7 +2475,7 @@
           <a:p>
             <a:fld id="{AD4CDBEB-7B95-45C9-9746-1E512CCA006C}" type="datetimeFigureOut">
               <a:rPr lang="en-IN" smtClean="0"/>
-              <a:t>30-09-2023</a:t>
+              <a:t>01-10-2023</a:t>
             </a:fld>
             <a:endParaRPr lang="en-IN"/>
           </a:p>
@@ -2787,7 +2788,7 @@
           <a:p>
             <a:fld id="{AD4CDBEB-7B95-45C9-9746-1E512CCA006C}" type="datetimeFigureOut">
               <a:rPr lang="en-IN" smtClean="0"/>
-              <a:t>30-09-2023</a:t>
+              <a:t>01-10-2023</a:t>
             </a:fld>
             <a:endParaRPr lang="en-IN"/>
           </a:p>
@@ -3076,7 +3077,7 @@
           <a:p>
             <a:fld id="{AD4CDBEB-7B95-45C9-9746-1E512CCA006C}" type="datetimeFigureOut">
               <a:rPr lang="en-IN" smtClean="0"/>
-              <a:t>30-09-2023</a:t>
+              <a:t>01-10-2023</a:t>
             </a:fld>
             <a:endParaRPr lang="en-IN"/>
           </a:p>
@@ -3319,7 +3320,7 @@
           <a:p>
             <a:fld id="{AD4CDBEB-7B95-45C9-9746-1E512CCA006C}" type="datetimeFigureOut">
               <a:rPr lang="en-IN" smtClean="0"/>
-              <a:t>30-09-2023</a:t>
+              <a:t>01-10-2023</a:t>
             </a:fld>
             <a:endParaRPr lang="en-IN"/>
           </a:p>
@@ -3835,7 +3836,7 @@
         <p:spPr>
           <a:xfrm>
             <a:off x="1828798" y="3296132"/>
-            <a:ext cx="10297887" cy="1846659"/>
+            <a:ext cx="10297887" cy="2154436"/>
           </a:xfrm>
           <a:prstGeom prst="rect">
             <a:avLst/>
@@ -3867,6 +3868,28 @@
                 <a:latin typeface="Bell MT" panose="02020503060305020303" pitchFamily="18" charset="0"/>
               </a:rPr>
               <a:t>Team name : </a:t>
+            </a:r>
+            <a:r>
+              <a:rPr lang="en-IN" sz="2000" dirty="0">
+                <a:latin typeface="Bell MT" panose="02020503060305020303" pitchFamily="18" charset="0"/>
+              </a:rPr>
+              <a:t>Proj_224780_Team_7</a:t>
+            </a:r>
+          </a:p>
+          <a:p>
+            <a:r>
+              <a:rPr lang="en-IN" sz="2000" b="1" dirty="0">
+                <a:latin typeface="Bell MT" panose="02020503060305020303" pitchFamily="18" charset="0"/>
+              </a:rPr>
+              <a:t>Course Id :</a:t>
+            </a:r>
+            <a:r>
+              <a:rPr lang="en-GB" sz="2000" b="1" dirty="0"/>
+              <a:t> </a:t>
+            </a:r>
+            <a:r>
+              <a:rPr lang="en-GB" sz="2000" dirty="0"/>
+              <a:t>course-v1:1B M+IOT 101+2023_B1</a:t>
             </a:r>
             <a:endParaRPr lang="en-IN" sz="2000" dirty="0">
               <a:latin typeface="Bell MT" panose="02020503060305020303" pitchFamily="18" charset="0"/>
@@ -3891,8 +3914,8 @@
           </a:p>
         </p:txBody>
       </p:sp>
-      <mc:AlternateContent xmlns:mc="http://schemas.openxmlformats.org/markup-compatibility/2006">
-        <mc:Choice xmlns:p14="http://schemas.microsoft.com/office/powerpoint/2010/main" Requires="p14">
+      <mc:AlternateContent xmlns:mc="http://schemas.openxmlformats.org/markup-compatibility/2006" xmlns:p14="http://schemas.microsoft.com/office/powerpoint/2010/main">
+        <mc:Choice Requires="p14">
           <p:contentPart p14:bwMode="auto" r:id="rId3">
             <p14:nvContentPartPr>
               <p14:cNvPr id="4" name="Ink 3">
@@ -3911,7 +3934,7 @@
             </p14:xfrm>
           </p:contentPart>
         </mc:Choice>
-        <mc:Fallback>
+        <mc:Fallback xmlns="">
           <p:pic>
             <p:nvPicPr>
               <p:cNvPr id="4" name="Ink 3">
